--- a/experiments/GSE136184/GSE136184_results.pptx
+++ b/experiments/GSE136184/GSE136184_results.pptx
@@ -3805,7 +3805,7 @@
           </a:p>
           <a:p>
             <a:r>
-              <a:t>Violin plots for canonical exhaustion markers across age</a:t>
+              <a:t>Violin plots for canonical exhaustion markers</a:t>
             </a:r>
           </a:p>
         </p:txBody>
